--- a/eu/ProgrammingLessons/advanced/SyncBeams.pptx
+++ b/eu/ProgrammingLessons/advanced/SyncBeams.pptx
@@ -222,7 +222,7 @@
             <a:fld id="{E354B44E-40A3-0E46-B16A-9BF1250A248B}" type="datetimeFigureOut">
               <a:rPr lang="en-US" smtClean="0"/>
               <a:pPr/>
-              <a:t>7/11/2018</a:t>
+              <a:t>9/11/22</a:t>
             </a:fld>
             <a:endParaRPr lang="en-US"/>
           </a:p>
@@ -289,7 +289,7 @@
             <a:fld id="{ACDF1604-CF25-2840-A4A3-96CDE3604995}" type="slidenum">
               <a:rPr lang="en-US" smtClean="0"/>
               <a:pPr/>
-              <a:t>‹Nº›</a:t>
+              <a:t>‹#›</a:t>
             </a:fld>
             <a:endParaRPr lang="en-US"/>
           </a:p>
@@ -390,7 +390,7 @@
             <a:fld id="{C86AD16C-2DB4-6642-BAD4-9ED973A087A0}" type="datetimeFigureOut">
               <a:rPr lang="en-US" smtClean="0"/>
               <a:pPr/>
-              <a:t>7/11/2018</a:t>
+              <a:t>9/11/22</a:t>
             </a:fld>
             <a:endParaRPr lang="en-US"/>
           </a:p>
@@ -549,7 +549,7 @@
             <a:fld id="{1E5BF589-3978-3C45-966B-D7B7A71F2A02}" type="slidenum">
               <a:rPr lang="en-US" smtClean="0"/>
               <a:pPr/>
-              <a:t>‹Nº›</a:t>
+              <a:t>‹#›</a:t>
             </a:fld>
             <a:endParaRPr lang="en-US"/>
           </a:p>
@@ -779,7 +779,7 @@
             <a:fld id="{79A27739-151B-D346-B713-F9BE93463708}" type="datetime1">
               <a:rPr lang="en-US" smtClean="0"/>
               <a:pPr/>
-              <a:t>7/11/2018</a:t>
+              <a:t>9/11/22</a:t>
             </a:fld>
             <a:endParaRPr lang="en-US"/>
           </a:p>
@@ -825,7 +825,7 @@
             <a:fld id="{7F5CE407-6216-4202-80E4-A30DC2F709B2}" type="slidenum">
               <a:rPr lang="en-US" smtClean="0"/>
               <a:pPr/>
-              <a:t>‹Nº›</a:t>
+              <a:t>‹#›</a:t>
             </a:fld>
             <a:endParaRPr lang="en-US"/>
           </a:p>
@@ -1325,7 +1325,7 @@
           <a:noFill/>
           <a:extLst>
             <a:ext uri="{909E8E84-426E-40dd-AFC4-6F175D3DCCD1}">
-              <a14:hiddenFill xmlns:a14="http://schemas.microsoft.com/office/drawing/2010/main" xmlns="">
+              <a14:hiddenFill xmlns="" xmlns:a14="http://schemas.microsoft.com/office/drawing/2010/main">
                 <a:solidFill>
                   <a:srgbClr val="FFFFFF"/>
                 </a:solidFill>
@@ -1370,7 +1370,6 @@
         </p:style>
       </p:cxnSp>
     </p:spTree>
-    <p:extLst/>
   </p:cSld>
   <p:clrMapOvr>
     <a:masterClrMapping/>
@@ -1469,7 +1468,7 @@
             <a:fld id="{8FC6ACCE-FA0B-6F4C-90C2-9946D1DB8FD8}" type="datetime1">
               <a:rPr lang="en-US" smtClean="0"/>
               <a:pPr/>
-              <a:t>7/11/2018</a:t>
+              <a:t>9/11/22</a:t>
             </a:fld>
             <a:endParaRPr lang="en-US"/>
           </a:p>
@@ -1515,7 +1514,7 @@
             <a:fld id="{4382A7F7-08BF-4252-8141-63FB96055BBB}" type="slidenum">
               <a:rPr lang="en-US" smtClean="0"/>
               <a:pPr/>
-              <a:t>‹Nº›</a:t>
+              <a:t>‹#›</a:t>
             </a:fld>
             <a:endParaRPr lang="en-US"/>
           </a:p>
@@ -1697,7 +1696,6 @@
         </p:txBody>
       </p:sp>
     </p:spTree>
-    <p:extLst/>
   </p:cSld>
   <p:clrMapOvr>
     <a:masterClrMapping/>
@@ -1920,7 +1918,7 @@
             <a:fld id="{5F458818-5C58-504C-96C2-18D4B9EBA580}" type="datetime1">
               <a:rPr lang="en-US" smtClean="0"/>
               <a:pPr/>
-              <a:t>7/11/2018</a:t>
+              <a:t>9/11/22</a:t>
             </a:fld>
             <a:endParaRPr lang="en-US" dirty="0"/>
           </a:p>
@@ -1975,14 +1973,13 @@
             <a:fld id="{4382A7F7-08BF-4252-8141-63FB96055BBB}" type="slidenum">
               <a:rPr lang="en-US" smtClean="0"/>
               <a:pPr/>
-              <a:t>‹Nº›</a:t>
+              <a:t>‹#›</a:t>
             </a:fld>
             <a:endParaRPr lang="en-US"/>
           </a:p>
         </p:txBody>
       </p:sp>
     </p:spTree>
-    <p:extLst/>
   </p:cSld>
   <p:clrMapOvr>
     <a:masterClrMapping/>
@@ -2375,7 +2372,7 @@
             <a:fld id="{659959B3-57F9-7548-8139-6ECD6B121118}" type="datetime1">
               <a:rPr lang="en-US" smtClean="0"/>
               <a:pPr/>
-              <a:t>7/11/2018</a:t>
+              <a:t>9/11/22</a:t>
             </a:fld>
             <a:endParaRPr lang="en-US"/>
           </a:p>
@@ -2399,7 +2396,7 @@
             <a:fld id="{4382A7F7-08BF-4252-8141-63FB96055BBB}" type="slidenum">
               <a:rPr lang="en-US" smtClean="0"/>
               <a:pPr/>
-              <a:t>‹Nº›</a:t>
+              <a:t>‹#›</a:t>
             </a:fld>
             <a:endParaRPr lang="en-US"/>
           </a:p>
@@ -2544,7 +2541,6 @@
         </p:txBody>
       </p:sp>
     </p:spTree>
-    <p:extLst/>
   </p:cSld>
   <p:clrMapOvr>
     <a:masterClrMapping/>
@@ -3090,7 +3086,7 @@
             <a:fld id="{896FED5C-D759-6E42-B05E-072BCFCA1FBC}" type="datetime1">
               <a:rPr lang="en-US" smtClean="0"/>
               <a:pPr/>
-              <a:t>7/11/2018</a:t>
+              <a:t>9/11/22</a:t>
             </a:fld>
             <a:endParaRPr lang="en-US"/>
           </a:p>
@@ -3136,14 +3132,13 @@
             <a:fld id="{4382A7F7-08BF-4252-8141-63FB96055BBB}" type="slidenum">
               <a:rPr lang="en-US" smtClean="0"/>
               <a:pPr/>
-              <a:t>‹Nº›</a:t>
+              <a:t>‹#›</a:t>
             </a:fld>
             <a:endParaRPr lang="en-US"/>
           </a:p>
         </p:txBody>
       </p:sp>
     </p:spTree>
-    <p:extLst/>
   </p:cSld>
   <p:clrMapOvr>
     <a:masterClrMapping/>
@@ -3361,7 +3356,7 @@
             <a:fld id="{A394C3B6-BD2D-B44D-8134-913F96550191}" type="datetime1">
               <a:rPr lang="en-US" smtClean="0"/>
               <a:pPr/>
-              <a:t>7/11/2018</a:t>
+              <a:t>9/11/22</a:t>
             </a:fld>
             <a:endParaRPr lang="en-US"/>
           </a:p>
@@ -3407,14 +3402,13 @@
             <a:fld id="{4382A7F7-08BF-4252-8141-63FB96055BBB}" type="slidenum">
               <a:rPr lang="en-US" smtClean="0"/>
               <a:pPr/>
-              <a:t>‹Nº›</a:t>
+              <a:t>‹#›</a:t>
             </a:fld>
             <a:endParaRPr lang="en-US"/>
           </a:p>
         </p:txBody>
       </p:sp>
     </p:spTree>
-    <p:extLst/>
   </p:cSld>
   <p:clrMapOvr>
     <a:masterClrMapping/>
@@ -3671,7 +3665,7 @@
             <a:fld id="{59BECB69-A21E-B645-918D-F4DE51F44A43}" type="datetime1">
               <a:rPr lang="en-US" smtClean="0"/>
               <a:pPr/>
-              <a:t>7/11/2018</a:t>
+              <a:t>9/11/22</a:t>
             </a:fld>
             <a:endParaRPr lang="en-US"/>
           </a:p>
@@ -3717,7 +3711,7 @@
             <a:fld id="{4382A7F7-08BF-4252-8141-63FB96055BBB}" type="slidenum">
               <a:rPr lang="en-US" smtClean="0"/>
               <a:pPr/>
-              <a:t>‹Nº›</a:t>
+              <a:t>‹#›</a:t>
             </a:fld>
             <a:endParaRPr lang="en-US"/>
           </a:p>
@@ -3746,7 +3740,6 @@
         </p:txBody>
       </p:sp>
     </p:spTree>
-    <p:extLst/>
   </p:cSld>
   <p:clrMapOvr>
     <a:masterClrMapping/>
@@ -3888,7 +3881,7 @@
             <a:fld id="{88F6D9D5-67B2-D241-AC86-521B4A5982B7}" type="datetime1">
               <a:rPr lang="en-US" smtClean="0"/>
               <a:pPr/>
-              <a:t>7/11/2018</a:t>
+              <a:t>9/11/22</a:t>
             </a:fld>
             <a:endParaRPr lang="en-US"/>
           </a:p>
@@ -3939,7 +3932,7 @@
             <a:fld id="{4382A7F7-08BF-4252-8141-63FB96055BBB}" type="slidenum">
               <a:rPr lang="en-US" smtClean="0"/>
               <a:pPr/>
-              <a:t>‹Nº›</a:t>
+              <a:t>‹#›</a:t>
             </a:fld>
             <a:endParaRPr lang="en-US"/>
           </a:p>
@@ -4099,7 +4092,6 @@
         </p:sp>
       </p:grpSp>
     </p:spTree>
-    <p:extLst/>
   </p:cSld>
   <p:clrMapOvr>
     <a:masterClrMapping/>
@@ -4164,7 +4156,7 @@
             <a:fld id="{5F458818-5C58-504C-96C2-18D4B9EBA580}" type="datetime1">
               <a:rPr lang="en-US" smtClean="0"/>
               <a:pPr/>
-              <a:t>7/11/2018</a:t>
+              <a:t>9/11/22</a:t>
             </a:fld>
             <a:endParaRPr lang="en-US" dirty="0"/>
           </a:p>
@@ -4211,7 +4203,7 @@
             <a:fld id="{4382A7F7-08BF-4252-8141-63FB96055BBB}" type="slidenum">
               <a:rPr lang="en-US" smtClean="0"/>
               <a:pPr/>
-              <a:t>‹Nº›</a:t>
+              <a:t>‹#›</a:t>
             </a:fld>
             <a:endParaRPr lang="en-US"/>
           </a:p>
@@ -4274,7 +4266,6 @@
         </p:txBody>
       </p:sp>
     </p:spTree>
-    <p:extLst/>
   </p:cSld>
   <p:clrMapOvr>
     <a:masterClrMapping/>
@@ -4406,7 +4397,7 @@
             <a:fld id="{5F458818-5C58-504C-96C2-18D4B9EBA580}" type="datetime1">
               <a:rPr lang="en-US" smtClean="0"/>
               <a:pPr/>
-              <a:t>7/11/2018</a:t>
+              <a:t>9/11/22</a:t>
             </a:fld>
             <a:endParaRPr lang="en-US" dirty="0"/>
           </a:p>
@@ -4528,7 +4519,7 @@
             <a:fld id="{4382A7F7-08BF-4252-8141-63FB96055BBB}" type="slidenum">
               <a:rPr lang="en-US" smtClean="0"/>
               <a:pPr/>
-              <a:t>‹Nº›</a:t>
+              <a:t>‹#›</a:t>
             </a:fld>
             <a:endParaRPr lang="en-US"/>
           </a:p>
@@ -5793,32 +5784,32 @@
               </a:buClr>
             </a:pPr>
             <a:r>
-              <a:rPr lang="es-ES" dirty="0" err="1"/>
-              <a:t>Itzulpena</a:t>
-            </a:r>
-            <a:r>
-              <a:rPr lang="es-ES" dirty="0"/>
-              <a:t> </a:t>
-            </a:r>
-            <a:r>
-              <a:rPr lang="es-ES" dirty="0" err="1"/>
-              <a:t>Edurobotic-ek</a:t>
-            </a:r>
-            <a:r>
-              <a:rPr lang="es-ES" dirty="0"/>
-              <a:t> </a:t>
-            </a:r>
-            <a:r>
-              <a:rPr lang="es-ES" dirty="0" err="1"/>
-              <a:t>egin</a:t>
-            </a:r>
-            <a:r>
-              <a:rPr lang="es-ES" dirty="0"/>
-              <a:t> </a:t>
-            </a:r>
-            <a:r>
-              <a:rPr lang="es-ES" dirty="0" err="1"/>
-              <a:t>zuen</a:t>
+              <a:rPr lang="es-ES"/>
+              <a:t>Gai</a:t>
+            </a:r>
+            <a:r>
+              <a:rPr lang="es-ES" dirty="0"/>
+              <a:t> </a:t>
+            </a:r>
+            <a:r>
+              <a:rPr lang="es-ES" dirty="0" err="1"/>
+              <a:t>gehiagotarako</a:t>
+            </a:r>
+            <a:r>
+              <a:rPr lang="es-ES" dirty="0"/>
+              <a:t> </a:t>
+            </a:r>
+            <a:r>
+              <a:rPr lang="es-ES" dirty="0" err="1"/>
+              <a:t>begira</a:t>
+            </a:r>
+            <a:r>
+              <a:rPr lang="es-ES" dirty="0"/>
+              <a:t> </a:t>
+            </a:r>
+            <a:r>
+              <a:rPr lang="es-ES" dirty="0" err="1"/>
+              <a:t>ezazu</a:t>
             </a:r>
             <a:r>
               <a:rPr lang="es-ES" dirty="0"/>
@@ -5827,84 +5818,6 @@
             <a:r>
               <a:rPr lang="es-ES" dirty="0">
                 <a:hlinkClick r:id="rId3"/>
-              </a:rPr>
-              <a:t>www.edurobotic.es</a:t>
-            </a:r>
-            <a:r>
-              <a:rPr lang="es-ES" dirty="0"/>
-              <a:t> (</a:t>
-            </a:r>
-            <a:r>
-              <a:rPr lang="es-ES" dirty="0" err="1"/>
-              <a:t>Anartz</a:t>
-            </a:r>
-            <a:r>
-              <a:rPr lang="es-ES" dirty="0"/>
-              <a:t> San Juan </a:t>
-            </a:r>
-            <a:r>
-              <a:rPr lang="es-ES" dirty="0" err="1"/>
-              <a:t>taldekideak</a:t>
-            </a:r>
-            <a:r>
-              <a:rPr lang="es-ES" dirty="0"/>
-              <a:t> hain </a:t>
-            </a:r>
-            <a:r>
-              <a:rPr lang="es-ES" dirty="0" err="1"/>
-              <a:t>zuzen</a:t>
-            </a:r>
-            <a:r>
-              <a:rPr lang="es-ES" dirty="0"/>
-              <a:t>).</a:t>
-            </a:r>
-          </a:p>
-          <a:p>
-            <a:pPr marL="454025" lvl="1" indent="-454025">
-              <a:spcBef>
-                <a:spcPts val="2000"/>
-              </a:spcBef>
-              <a:buClr>
-                <a:schemeClr val="bg1">
-                  <a:lumMod val="65000"/>
-                </a:schemeClr>
-              </a:buClr>
-            </a:pPr>
-            <a:r>
-              <a:rPr lang="es-ES" dirty="0" err="1"/>
-              <a:t>Gai</a:t>
-            </a:r>
-            <a:r>
-              <a:rPr lang="es-ES" dirty="0"/>
-              <a:t> </a:t>
-            </a:r>
-            <a:r>
-              <a:rPr lang="es-ES" dirty="0" err="1"/>
-              <a:t>gehiagotarako</a:t>
-            </a:r>
-            <a:r>
-              <a:rPr lang="es-ES" dirty="0"/>
-              <a:t> </a:t>
-            </a:r>
-            <a:r>
-              <a:rPr lang="es-ES" dirty="0" err="1"/>
-              <a:t>begira</a:t>
-            </a:r>
-            <a:r>
-              <a:rPr lang="es-ES" dirty="0"/>
-              <a:t> </a:t>
-            </a:r>
-            <a:r>
-              <a:rPr lang="es-ES" dirty="0" err="1"/>
-              <a:t>ezazu</a:t>
-            </a:r>
-            <a:r>
-              <a:rPr lang="es-ES" dirty="0"/>
-              <a:t> </a:t>
-            </a:r>
-            <a:r>
-              <a:rPr lang="es-ES" dirty="0">
-                <a:hlinkClick r:id="rId4"/>
               </a:rPr>
               <a:t>www.ev3lessons.com</a:t>
             </a:r>
@@ -6009,7 +5922,7 @@
           <a:effectLst/>
           <a:extLst>
             <a:ext uri="{91240B29-F687-4f45-9708-019B960494DF}">
-              <a14:hiddenLine xmlns:a14="http://schemas.microsoft.com/office/drawing/2010/main" xmlns="" w="9525">
+              <a14:hiddenLine xmlns="" xmlns:a14="http://schemas.microsoft.com/office/drawing/2010/main" w="9525">
                 <a:solidFill>
                   <a:schemeClr val="tx1"/>
                 </a:solidFill>
@@ -6019,7 +5932,7 @@
               </a14:hiddenLine>
             </a:ext>
             <a:ext uri="{AF507438-7753-43e0-B8FC-AC1667EBCBE1}">
-              <a14:hiddenEffects xmlns:a14="http://schemas.microsoft.com/office/drawing/2010/main" xmlns="">
+              <a14:hiddenEffects xmlns="" xmlns:a14="http://schemas.microsoft.com/office/drawing/2010/main">
                 <a:effectLst>
                   <a:outerShdw dist="35921" dir="2700000" algn="ctr" rotWithShape="0">
                     <a:schemeClr val="bg2"/>
@@ -6240,7 +6153,7 @@
                 </a:solidFill>
                 <a:effectLst/>
                 <a:latin typeface="Helvetica Neue"/>
-                <a:hlinkClick r:id="rId5"/>
+                <a:hlinkClick r:id="rId4"/>
               </a:rPr>
               <a:t>Creative Commons Attribution-</a:t>
             </a:r>
@@ -6254,7 +6167,7 @@
                 </a:solidFill>
                 <a:effectLst/>
                 <a:latin typeface="Helvetica Neue"/>
-                <a:hlinkClick r:id="rId5"/>
+                <a:hlinkClick r:id="rId4"/>
               </a:rPr>
               <a:t>NonCommercial</a:t>
             </a:r>
@@ -6268,7 +6181,7 @@
                 </a:solidFill>
                 <a:effectLst/>
                 <a:latin typeface="Helvetica Neue"/>
-                <a:hlinkClick r:id="rId5"/>
+                <a:hlinkClick r:id="rId4"/>
               </a:rPr>
               <a:t>-</a:t>
             </a:r>
@@ -6282,7 +6195,7 @@
                 </a:solidFill>
                 <a:effectLst/>
                 <a:latin typeface="Helvetica Neue"/>
-                <a:hlinkClick r:id="rId5"/>
+                <a:hlinkClick r:id="rId4"/>
               </a:rPr>
               <a:t>ShareAlike</a:t>
             </a:r>
@@ -6296,7 +6209,7 @@
                 </a:solidFill>
                 <a:effectLst/>
                 <a:latin typeface="Helvetica Neue"/>
-                <a:hlinkClick r:id="rId5"/>
+                <a:hlinkClick r:id="rId4"/>
               </a:rPr>
               <a:t> 4.0 International License</a:t>
             </a:r>
@@ -6361,7 +6274,7 @@
       <p:pic>
         <p:nvPicPr>
           <p:cNvPr id="6" name="Picture 2" descr="Creative Commons License">
-            <a:hlinkClick r:id="rId5"/>
+            <a:hlinkClick r:id="rId4"/>
           </p:cNvPr>
           <p:cNvPicPr>
             <a:picLocks noChangeAspect="1" noChangeArrowheads="1"/>
@@ -6369,7 +6282,7 @@
           <p:nvPr/>
         </p:nvPicPr>
         <p:blipFill>
-          <a:blip r:embed="rId6" cstate="print">
+          <a:blip r:embed="rId5" cstate="print">
             <a:extLst>
               <a:ext uri="{28A0092B-C50C-407E-A947-70E740481C1C}">
                 <a14:useLocalDpi xmlns:a14="http://schemas.microsoft.com/office/drawing/2010/main" val="0"/>
@@ -6392,7 +6305,7 @@
           <a:noFill/>
           <a:extLst>
             <a:ext uri="{909E8E84-426E-40dd-AFC4-6F175D3DCCD1}">
-              <a14:hiddenFill xmlns:a14="http://schemas.microsoft.com/office/drawing/2010/main" xmlns="">
+              <a14:hiddenFill xmlns="" xmlns:a14="http://schemas.microsoft.com/office/drawing/2010/main">
                 <a:solidFill>
                   <a:srgbClr val="FFFFFF"/>
                 </a:solidFill>
